--- a/doc/Dal_Code_Gen.pptx
+++ b/doc/Dal_Code_Gen.pptx
@@ -9,7 +9,7 @@
   </p:notesMasterIdLst>
   <p:sldIdLst>
     <p:sldId id="287" r:id="rId2"/>
-    <p:sldId id="317" r:id="rId3"/>
+    <p:sldId id="318" r:id="rId3"/>
     <p:sldId id="293" r:id="rId4"/>
     <p:sldId id="296" r:id="rId5"/>
     <p:sldId id="297" r:id="rId6"/>
@@ -1227,8 +1227,8 @@
     <dgm:cxn modelId="{C49D77EF-D3CA-47EF-89B6-A4C8E2A5E6DC}" type="presOf" srcId="{1CF7EF50-3254-403B-8324-F35404112278}" destId="{AE8C9210-C3C4-4AE1-8A6D-E13F82505053}" srcOrd="3" destOrd="0" presId="urn:microsoft.com/office/officeart/2005/8/layout/gear1"/>
     <dgm:cxn modelId="{815D9974-D05C-49D7-A5A0-74683B7AC860}" type="presOf" srcId="{1CF7EF50-3254-403B-8324-F35404112278}" destId="{181DD98D-1610-4838-8111-32026F1AE692}" srcOrd="1" destOrd="0" presId="urn:microsoft.com/office/officeart/2005/8/layout/gear1"/>
     <dgm:cxn modelId="{69B711EF-2B27-46A4-A270-A8F6DE0BE728}" type="presOf" srcId="{248C7971-8166-4580-A8BF-6C7441920E6B}" destId="{70547BDE-9BFD-4CB4-9C11-CA988291BFEE}" srcOrd="1" destOrd="0" presId="urn:microsoft.com/office/officeart/2005/8/layout/gear1"/>
+    <dgm:cxn modelId="{19B3AD10-2A2B-44FC-ACF6-414EEB2CB372}" srcId="{02AF4F7B-0537-494A-99F9-3BB1ECC88F4E}" destId="{BEF91D8B-62AF-4E37-96E9-EC0EC671AD88}" srcOrd="1" destOrd="0" parTransId="{A4AEF156-F377-431A-8CEB-00742EA6AA07}" sibTransId="{A91D6758-F86D-4A3B-BCDE-58AB390ECE4B}"/>
     <dgm:cxn modelId="{F9ED103A-2DC1-44A9-ACC4-2EA095F6737B}" type="presOf" srcId="{02AF4F7B-0537-494A-99F9-3BB1ECC88F4E}" destId="{25CA7EEA-02CE-4A29-9CEF-83AC8B06F32C}" srcOrd="0" destOrd="0" presId="urn:microsoft.com/office/officeart/2005/8/layout/gear1"/>
-    <dgm:cxn modelId="{19B3AD10-2A2B-44FC-ACF6-414EEB2CB372}" srcId="{02AF4F7B-0537-494A-99F9-3BB1ECC88F4E}" destId="{BEF91D8B-62AF-4E37-96E9-EC0EC671AD88}" srcOrd="1" destOrd="0" parTransId="{A4AEF156-F377-431A-8CEB-00742EA6AA07}" sibTransId="{A91D6758-F86D-4A3B-BCDE-58AB390ECE4B}"/>
     <dgm:cxn modelId="{DA141E96-2175-4A1E-8CEF-63EDF023BC02}" type="presOf" srcId="{72502FEF-F2E0-4258-972D-4F39088AE100}" destId="{5787D45D-C199-48E8-8EA8-DADD6BC31919}" srcOrd="0" destOrd="0" presId="urn:microsoft.com/office/officeart/2005/8/layout/gear1"/>
     <dgm:cxn modelId="{51CD2506-ABE9-4B80-B373-BC330B717664}" type="presOf" srcId="{BEF91D8B-62AF-4E37-96E9-EC0EC671AD88}" destId="{31067B62-FA18-4F11-B2FE-F6A922432349}" srcOrd="1" destOrd="0" presId="urn:microsoft.com/office/officeart/2005/8/layout/gear1"/>
     <dgm:cxn modelId="{CF9CF11B-2067-4CF7-BC8C-0B5950DEAEE0}" type="presOf" srcId="{BEF91D8B-62AF-4E37-96E9-EC0EC671AD88}" destId="{30CCCBCE-A5D7-481D-9603-E0393D8961F0}" srcOrd="0" destOrd="0" presId="urn:microsoft.com/office/officeart/2005/8/layout/gear1"/>
@@ -1238,8 +1238,8 @@
     <dgm:cxn modelId="{1A493E41-574C-4895-81FE-29D3C0E8DAFC}" type="presOf" srcId="{248C7971-8166-4580-A8BF-6C7441920E6B}" destId="{5792DBA9-7A4A-4205-B364-20D271D6501B}" srcOrd="0" destOrd="0" presId="urn:microsoft.com/office/officeart/2005/8/layout/gear1"/>
     <dgm:cxn modelId="{6F2D3F2E-4C21-4133-9B45-A3CD7CC57ABE}" type="presOf" srcId="{9ECCC2D5-085D-4CC3-92F2-9E5D5F358C3C}" destId="{45046201-9E1C-4C6C-9B2D-446FA2F18045}" srcOrd="0" destOrd="0" presId="urn:microsoft.com/office/officeart/2005/8/layout/gear1"/>
     <dgm:cxn modelId="{DFF98083-7D1D-44E0-BEB9-E53CECA56221}" srcId="{02AF4F7B-0537-494A-99F9-3BB1ECC88F4E}" destId="{1CF7EF50-3254-403B-8324-F35404112278}" srcOrd="2" destOrd="0" parTransId="{2381FDF2-79CB-43D9-9C69-6E9F996B0596}" sibTransId="{9ECCC2D5-085D-4CC3-92F2-9E5D5F358C3C}"/>
+    <dgm:cxn modelId="{FB5F9CAA-3DD2-4F97-A24E-1C8B1A15E014}" srcId="{02AF4F7B-0537-494A-99F9-3BB1ECC88F4E}" destId="{248C7971-8166-4580-A8BF-6C7441920E6B}" srcOrd="0" destOrd="0" parTransId="{33505B33-D81E-414B-953A-A030FA423714}" sibTransId="{72502FEF-F2E0-4258-972D-4F39088AE100}"/>
     <dgm:cxn modelId="{83C82A99-F97A-433E-8A4B-7393B307DDC9}" type="presOf" srcId="{A91D6758-F86D-4A3B-BCDE-58AB390ECE4B}" destId="{FFDF4822-BCF1-49DF-9E59-1BA663CA87E8}" srcOrd="0" destOrd="0" presId="urn:microsoft.com/office/officeart/2005/8/layout/gear1"/>
-    <dgm:cxn modelId="{FB5F9CAA-3DD2-4F97-A24E-1C8B1A15E014}" srcId="{02AF4F7B-0537-494A-99F9-3BB1ECC88F4E}" destId="{248C7971-8166-4580-A8BF-6C7441920E6B}" srcOrd="0" destOrd="0" parTransId="{33505B33-D81E-414B-953A-A030FA423714}" sibTransId="{72502FEF-F2E0-4258-972D-4F39088AE100}"/>
     <dgm:cxn modelId="{814BD9AE-D232-44E9-A2C5-FF4E5C9F1DF4}" type="presParOf" srcId="{25CA7EEA-02CE-4A29-9CEF-83AC8B06F32C}" destId="{5792DBA9-7A4A-4205-B364-20D271D6501B}" srcOrd="0" destOrd="0" presId="urn:microsoft.com/office/officeart/2005/8/layout/gear1"/>
     <dgm:cxn modelId="{DBC3F5EA-A515-4109-B7FC-F26A6AA14214}" type="presParOf" srcId="{25CA7EEA-02CE-4A29-9CEF-83AC8B06F32C}" destId="{70547BDE-9BFD-4CB4-9C11-CA988291BFEE}" srcOrd="1" destOrd="0" presId="urn:microsoft.com/office/officeart/2005/8/layout/gear1"/>
     <dgm:cxn modelId="{34B575DC-2085-4994-AFBF-BF47607DB531}" type="presParOf" srcId="{25CA7EEA-02CE-4A29-9CEF-83AC8B06F32C}" destId="{E93CAD1F-C970-4441-9DBB-985B391229B9}" srcOrd="2" destOrd="0" presId="urn:microsoft.com/office/officeart/2005/8/layout/gear1"/>
@@ -1279,8 +1279,8 @@
       </dsp:nvSpPr>
       <dsp:spPr>
         <a:xfrm>
-          <a:off x="1034678" y="638969"/>
-          <a:ext cx="780962" cy="780962"/>
+          <a:off x="1040773" y="584113"/>
+          <a:ext cx="713915" cy="713915"/>
         </a:xfrm>
         <a:prstGeom prst="gear9">
           <a:avLst/>
@@ -1321,12 +1321,12 @@
         </a:fontRef>
       </dsp:style>
       <dsp:txBody>
-        <a:bodyPr spcFirstLastPara="0" vert="horz" wrap="square" lIns="10160" tIns="10160" rIns="10160" bIns="10160" numCol="1" spcCol="1270" anchor="ctr" anchorCtr="0">
+        <a:bodyPr spcFirstLastPara="0" vert="horz" wrap="square" lIns="8890" tIns="8890" rIns="8890" bIns="8890" numCol="1" spcCol="1270" anchor="ctr" anchorCtr="0">
           <a:noAutofit/>
         </a:bodyPr>
         <a:lstStyle/>
         <a:p>
-          <a:pPr lvl="0" algn="ctr" defTabSz="355600">
+          <a:pPr lvl="0" algn="ctr" defTabSz="311150">
             <a:lnSpc>
               <a:spcPct val="90000"/>
             </a:lnSpc>
@@ -1338,15 +1338,15 @@
             </a:spcAft>
           </a:pPr>
           <a:r>
-            <a:rPr lang="en-US" altLang="zh-CN" sz="800" kern="1200" dirty="0" smtClean="0"/>
+            <a:rPr lang="en-US" altLang="zh-CN" sz="700" kern="1200" dirty="0" smtClean="0"/>
             <a:t>DAO</a:t>
           </a:r>
-          <a:endParaRPr lang="zh-CN" altLang="en-US" sz="800" kern="1200" dirty="0"/>
+          <a:endParaRPr lang="zh-CN" altLang="en-US" sz="700" kern="1200" dirty="0"/>
         </a:p>
       </dsp:txBody>
       <dsp:txXfrm>
-        <a:off x="1191686" y="821906"/>
-        <a:ext cx="466946" cy="401430"/>
+        <a:off x="1184302" y="751344"/>
+        <a:ext cx="426857" cy="366967"/>
       </dsp:txXfrm>
     </dsp:sp>
     <dsp:sp modelId="{30CCCBCE-A5D7-481D-9603-E0393D8961F0}">
@@ -1356,8 +1356,8 @@
       </dsp:nvSpPr>
       <dsp:spPr>
         <a:xfrm>
-          <a:off x="580300" y="454378"/>
-          <a:ext cx="567972" cy="567972"/>
+          <a:off x="625404" y="415369"/>
+          <a:ext cx="519211" cy="519211"/>
         </a:xfrm>
         <a:prstGeom prst="gear6">
           <a:avLst/>
@@ -1398,12 +1398,12 @@
         </a:fontRef>
       </dsp:style>
       <dsp:txBody>
-        <a:bodyPr spcFirstLastPara="0" vert="horz" wrap="square" lIns="10160" tIns="10160" rIns="10160" bIns="10160" numCol="1" spcCol="1270" anchor="ctr" anchorCtr="0">
+        <a:bodyPr spcFirstLastPara="0" vert="horz" wrap="square" lIns="8890" tIns="8890" rIns="8890" bIns="8890" numCol="1" spcCol="1270" anchor="ctr" anchorCtr="0">
           <a:noAutofit/>
         </a:bodyPr>
         <a:lstStyle/>
         <a:p>
-          <a:pPr lvl="0" algn="ctr" defTabSz="355600">
+          <a:pPr lvl="0" algn="ctr" defTabSz="311150">
             <a:lnSpc>
               <a:spcPct val="90000"/>
             </a:lnSpc>
@@ -1415,15 +1415,15 @@
             </a:spcAft>
           </a:pPr>
           <a:r>
-            <a:rPr lang="en-US" altLang="zh-CN" sz="800" kern="1200" dirty="0" smtClean="0"/>
+            <a:rPr lang="en-US" altLang="zh-CN" sz="700" kern="1200" dirty="0" smtClean="0"/>
             <a:t>Entity</a:t>
           </a:r>
-          <a:endParaRPr lang="zh-CN" altLang="en-US" sz="800" kern="1200" dirty="0"/>
+          <a:endParaRPr lang="zh-CN" altLang="en-US" sz="700" kern="1200" dirty="0"/>
         </a:p>
       </dsp:txBody>
       <dsp:txXfrm>
-        <a:off x="723289" y="598231"/>
-        <a:ext cx="281994" cy="280266"/>
+        <a:off x="756117" y="546872"/>
+        <a:ext cx="257785" cy="256205"/>
       </dsp:txXfrm>
     </dsp:sp>
     <dsp:sp modelId="{048C87BC-11AA-438C-B4F1-5743BFF8CCF6}">
@@ -1433,8 +1433,8 @@
       </dsp:nvSpPr>
       <dsp:spPr>
         <a:xfrm rot="20700000">
-          <a:off x="898422" y="62534"/>
-          <a:ext cx="556497" cy="556497"/>
+          <a:off x="916215" y="57166"/>
+          <a:ext cx="508721" cy="508721"/>
         </a:xfrm>
         <a:prstGeom prst="gear6">
           <a:avLst/>
@@ -1475,12 +1475,12 @@
         </a:fontRef>
       </dsp:style>
       <dsp:txBody>
-        <a:bodyPr spcFirstLastPara="0" vert="horz" wrap="square" lIns="10160" tIns="10160" rIns="10160" bIns="10160" numCol="1" spcCol="1270" anchor="ctr" anchorCtr="0">
+        <a:bodyPr spcFirstLastPara="0" vert="horz" wrap="square" lIns="8890" tIns="8890" rIns="8890" bIns="8890" numCol="1" spcCol="1270" anchor="ctr" anchorCtr="0">
           <a:noAutofit/>
         </a:bodyPr>
         <a:lstStyle/>
         <a:p>
-          <a:pPr lvl="0" algn="ctr" defTabSz="355600">
+          <a:pPr lvl="0" algn="ctr" defTabSz="311150">
             <a:lnSpc>
               <a:spcPct val="90000"/>
             </a:lnSpc>
@@ -1492,15 +1492,15 @@
             </a:spcAft>
           </a:pPr>
           <a:r>
-            <a:rPr lang="en-US" altLang="zh-CN" sz="800" kern="1200" dirty="0" smtClean="0"/>
+            <a:rPr lang="en-US" altLang="zh-CN" sz="700" kern="1200" dirty="0" smtClean="0"/>
             <a:t>Others</a:t>
           </a:r>
-          <a:endParaRPr lang="zh-CN" altLang="en-US" sz="800" kern="1200" dirty="0"/>
+          <a:endParaRPr lang="zh-CN" altLang="en-US" sz="700" kern="1200" dirty="0"/>
         </a:p>
       </dsp:txBody>
       <dsp:txXfrm rot="-20700000">
-        <a:off x="1020479" y="184591"/>
-        <a:ext cx="312385" cy="312385"/>
+        <a:off x="1027793" y="168743"/>
+        <a:ext cx="285566" cy="285566"/>
       </dsp:txXfrm>
     </dsp:sp>
     <dsp:sp modelId="{5787D45D-C199-48E8-8EA8-DADD6BC31919}">
@@ -1510,15 +1510,15 @@
       </dsp:nvSpPr>
       <dsp:spPr>
         <a:xfrm>
-          <a:off x="948356" y="535171"/>
-          <a:ext cx="999632" cy="999632"/>
+          <a:off x="958933" y="490648"/>
+          <a:ext cx="913812" cy="913812"/>
         </a:xfrm>
         <a:prstGeom prst="circularArrow">
           <a:avLst>
             <a:gd name="adj1" fmla="val 4687"/>
             <a:gd name="adj2" fmla="val 299029"/>
-            <a:gd name="adj3" fmla="val 2362416"/>
-            <a:gd name="adj4" fmla="val 16245074"/>
+            <a:gd name="adj3" fmla="val 2345797"/>
+            <a:gd name="adj4" fmla="val 16295499"/>
             <a:gd name="adj5" fmla="val 5469"/>
           </a:avLst>
         </a:prstGeom>
@@ -1557,8 +1557,8 @@
       </dsp:nvSpPr>
       <dsp:spPr>
         <a:xfrm>
-          <a:off x="479713" y="340613"/>
-          <a:ext cx="726295" cy="726295"/>
+          <a:off x="533452" y="312916"/>
+          <a:ext cx="663941" cy="663941"/>
         </a:xfrm>
         <a:prstGeom prst="leftCircularArrow">
           <a:avLst>
@@ -1604,8 +1604,8 @@
       </dsp:nvSpPr>
       <dsp:spPr>
         <a:xfrm>
-          <a:off x="769699" y="-47452"/>
-          <a:ext cx="783092" cy="783092"/>
+          <a:off x="798543" y="-41833"/>
+          <a:ext cx="715862" cy="715862"/>
         </a:xfrm>
         <a:prstGeom prst="circularArrow">
           <a:avLst>
@@ -3237,7 +3237,7 @@
           <a:p>
             <a:fld id="{B40952EB-BD3F-43FE-B681-50F5B00A4D6C}" type="datetimeFigureOut">
               <a:rPr lang="zh-CN" altLang="en-US" smtClean="0"/>
-              <a:t>2016/8/18</a:t>
+              <a:t>2016/9/13</a:t>
             </a:fld>
             <a:endParaRPr lang="zh-CN" altLang="en-US"/>
           </a:p>
@@ -3946,7 +3946,7 @@
           <a:p>
             <a:fld id="{C9A2DC32-389D-446F-B99B-86BF5403558C}" type="datetimeFigureOut">
               <a:rPr lang="zh-CN" altLang="en-US" smtClean="0"/>
-              <a:t>2016/8/18</a:t>
+              <a:t>2016/9/13</a:t>
             </a:fld>
             <a:endParaRPr lang="zh-CN" altLang="en-US"/>
           </a:p>
@@ -4116,7 +4116,7 @@
           <a:p>
             <a:fld id="{C9A2DC32-389D-446F-B99B-86BF5403558C}" type="datetimeFigureOut">
               <a:rPr lang="zh-CN" altLang="en-US" smtClean="0"/>
-              <a:t>2016/8/18</a:t>
+              <a:t>2016/9/13</a:t>
             </a:fld>
             <a:endParaRPr lang="zh-CN" altLang="en-US"/>
           </a:p>
@@ -4296,7 +4296,7 @@
           <a:p>
             <a:fld id="{C9A2DC32-389D-446F-B99B-86BF5403558C}" type="datetimeFigureOut">
               <a:rPr lang="zh-CN" altLang="en-US" smtClean="0"/>
-              <a:t>2016/8/18</a:t>
+              <a:t>2016/9/13</a:t>
             </a:fld>
             <a:endParaRPr lang="zh-CN" altLang="en-US"/>
           </a:p>
@@ -4466,7 +4466,7 @@
           <a:p>
             <a:fld id="{C9A2DC32-389D-446F-B99B-86BF5403558C}" type="datetimeFigureOut">
               <a:rPr lang="zh-CN" altLang="en-US" smtClean="0"/>
-              <a:t>2016/8/18</a:t>
+              <a:t>2016/9/13</a:t>
             </a:fld>
             <a:endParaRPr lang="zh-CN" altLang="en-US"/>
           </a:p>
@@ -4712,7 +4712,7 @@
           <a:p>
             <a:fld id="{C9A2DC32-389D-446F-B99B-86BF5403558C}" type="datetimeFigureOut">
               <a:rPr lang="zh-CN" altLang="en-US" smtClean="0"/>
-              <a:t>2016/8/18</a:t>
+              <a:t>2016/9/13</a:t>
             </a:fld>
             <a:endParaRPr lang="zh-CN" altLang="en-US"/>
           </a:p>
@@ -5000,7 +5000,7 @@
           <a:p>
             <a:fld id="{C9A2DC32-389D-446F-B99B-86BF5403558C}" type="datetimeFigureOut">
               <a:rPr lang="zh-CN" altLang="en-US" smtClean="0"/>
-              <a:t>2016/8/18</a:t>
+              <a:t>2016/9/13</a:t>
             </a:fld>
             <a:endParaRPr lang="zh-CN" altLang="en-US"/>
           </a:p>
@@ -5422,7 +5422,7 @@
           <a:p>
             <a:fld id="{C9A2DC32-389D-446F-B99B-86BF5403558C}" type="datetimeFigureOut">
               <a:rPr lang="zh-CN" altLang="en-US" smtClean="0"/>
-              <a:t>2016/8/18</a:t>
+              <a:t>2016/9/13</a:t>
             </a:fld>
             <a:endParaRPr lang="zh-CN" altLang="en-US"/>
           </a:p>
@@ -5540,7 +5540,7 @@
           <a:p>
             <a:fld id="{C9A2DC32-389D-446F-B99B-86BF5403558C}" type="datetimeFigureOut">
               <a:rPr lang="zh-CN" altLang="en-US" smtClean="0"/>
-              <a:t>2016/8/18</a:t>
+              <a:t>2016/9/13</a:t>
             </a:fld>
             <a:endParaRPr lang="zh-CN" altLang="en-US"/>
           </a:p>
@@ -5635,7 +5635,7 @@
           <a:p>
             <a:fld id="{C9A2DC32-389D-446F-B99B-86BF5403558C}" type="datetimeFigureOut">
               <a:rPr lang="zh-CN" altLang="en-US" smtClean="0"/>
-              <a:t>2016/8/18</a:t>
+              <a:t>2016/9/13</a:t>
             </a:fld>
             <a:endParaRPr lang="zh-CN" altLang="en-US"/>
           </a:p>
@@ -5912,7 +5912,7 @@
           <a:p>
             <a:fld id="{C9A2DC32-389D-446F-B99B-86BF5403558C}" type="datetimeFigureOut">
               <a:rPr lang="zh-CN" altLang="en-US" smtClean="0"/>
-              <a:t>2016/8/18</a:t>
+              <a:t>2016/9/13</a:t>
             </a:fld>
             <a:endParaRPr lang="zh-CN" altLang="en-US"/>
           </a:p>
@@ -6165,7 +6165,7 @@
           <a:p>
             <a:fld id="{C9A2DC32-389D-446F-B99B-86BF5403558C}" type="datetimeFigureOut">
               <a:rPr lang="zh-CN" altLang="en-US" smtClean="0"/>
-              <a:t>2016/8/18</a:t>
+              <a:t>2016/9/13</a:t>
             </a:fld>
             <a:endParaRPr lang="zh-CN" altLang="en-US"/>
           </a:p>
@@ -6378,7 +6378,7 @@
           <a:p>
             <a:fld id="{C9A2DC32-389D-446F-B99B-86BF5403558C}" type="datetimeFigureOut">
               <a:rPr lang="zh-CN" altLang="en-US" smtClean="0"/>
-              <a:t>2016/8/18</a:t>
+              <a:t>2016/9/13</a:t>
             </a:fld>
             <a:endParaRPr lang="zh-CN" altLang="en-US"/>
           </a:p>
@@ -9979,7 +9979,7 @@
         </p:nvSpPr>
         <p:spPr>
           <a:xfrm>
-            <a:off x="6122268" y="3429000"/>
+            <a:off x="6134968" y="1803644"/>
             <a:ext cx="2626196" cy="2016223"/>
           </a:xfrm>
           <a:prstGeom prst="rect">
@@ -10083,7 +10083,11 @@
             <a:pPr algn="ctr"/>
             <a:r>
               <a:rPr lang="en-US" altLang="zh-CN" sz="2000" dirty="0" smtClean="0"/>
-              <a:t>Ctrip DAL Framework</a:t>
+              <a:t>Ctrip DAL </a:t>
+            </a:r>
+            <a:r>
+              <a:rPr lang="en-US" altLang="zh-CN" sz="2000" dirty="0" smtClean="0"/>
+              <a:t>Client</a:t>
             </a:r>
             <a:endParaRPr lang="zh-CN" altLang="en-US" sz="2000" dirty="0"/>
           </a:p>
@@ -10125,7 +10129,7 @@
             <a:pPr algn="ctr"/>
             <a:r>
               <a:rPr lang="en-US" altLang="zh-CN" sz="2000" dirty="0" smtClean="0"/>
-              <a:t>Business Layer</a:t>
+              <a:t>Generated DAO</a:t>
             </a:r>
             <a:endParaRPr lang="zh-CN" altLang="en-US" sz="2000" dirty="0"/>
           </a:p>
@@ -10509,7 +10513,7 @@
         </p:nvSpPr>
         <p:spPr>
           <a:xfrm>
-            <a:off x="4211960" y="4041068"/>
+            <a:off x="4224660" y="2365426"/>
             <a:ext cx="1897608" cy="720080"/>
           </a:xfrm>
           <a:prstGeom prst="leftArrow">
@@ -10625,13 +10629,13 @@
         </p:nvSpPr>
         <p:spPr>
           <a:xfrm>
-            <a:off x="5292080" y="5445611"/>
-            <a:ext cx="2162628" cy="766301"/>
+            <a:off x="5292080" y="3851514"/>
+            <a:ext cx="2538508" cy="2169774"/>
           </a:xfrm>
           <a:prstGeom prst="bentUpArrow">
             <a:avLst>
-              <a:gd name="adj1" fmla="val 34748"/>
-              <a:gd name="adj2" fmla="val 21851"/>
+              <a:gd name="adj1" fmla="val 9533"/>
+              <a:gd name="adj2" fmla="val 14204"/>
               <a:gd name="adj3" fmla="val 26260"/>
             </a:avLst>
           </a:prstGeom>
@@ -10679,7 +10683,7 @@
         </p:nvSpPr>
         <p:spPr>
           <a:xfrm>
-            <a:off x="6160952" y="3573016"/>
+            <a:off x="6160952" y="3501008"/>
             <a:ext cx="2587512" cy="288032"/>
           </a:xfrm>
           <a:prstGeom prst="rect">
@@ -10760,8 +10764,8 @@
           </p:nvPr>
         </p:nvGraphicFramePr>
         <p:xfrm>
-          <a:off x="6227664" y="3927016"/>
-          <a:ext cx="2211350" cy="1419932"/>
+          <a:off x="6342391" y="2121437"/>
+          <a:ext cx="2211350" cy="1298029"/>
         </p:xfrm>
         <a:graphic>
           <a:graphicData uri="http://schemas.openxmlformats.org/drawingml/2006/diagram">
@@ -10918,7 +10922,7 @@
     </p:spTree>
     <p:extLst>
       <p:ext uri="{BB962C8B-B14F-4D97-AF65-F5344CB8AC3E}">
-        <p14:creationId xmlns:p14="http://schemas.microsoft.com/office/powerpoint/2010/main" val="1629336701"/>
+        <p14:creationId xmlns:p14="http://schemas.microsoft.com/office/powerpoint/2010/main" val="3860901012"/>
       </p:ext>
     </p:extLst>
   </p:cSld>
